--- a/MyNumberCard/Picture/image.pptx
+++ b/MyNumberCard/Picture/image.pptx
@@ -155,10 +155,9 @@
           </a:lstStyle>
           <a:p>
             <a:r>
-              <a:rPr kumimoji="1" lang="ja-JP" altLang="en-US" smtClean="0"/>
+              <a:rPr kumimoji="1" lang="ja-JP" altLang="en-US"/>
               <a:t>マスター タイトルの書式設定</a:t>
             </a:r>
-            <a:endParaRPr kumimoji="1" lang="ja-JP" altLang="en-US"/>
           </a:p>
         </p:txBody>
       </p:sp>
@@ -220,10 +219,9 @@
           </a:lstStyle>
           <a:p>
             <a:r>
-              <a:rPr kumimoji="1" lang="ja-JP" altLang="en-US" smtClean="0"/>
+              <a:rPr kumimoji="1" lang="ja-JP" altLang="en-US"/>
               <a:t>マスター サブタイトルの書式設定</a:t>
             </a:r>
-            <a:endParaRPr kumimoji="1" lang="ja-JP" altLang="en-US"/>
           </a:p>
         </p:txBody>
       </p:sp>
@@ -244,7 +242,7 @@
           <a:p>
             <a:fld id="{5FFE69AB-2790-4DCE-A218-26C2142A832E}" type="datetimeFigureOut">
               <a:rPr kumimoji="1" lang="ja-JP" altLang="en-US" smtClean="0"/>
-              <a:t>2016/1/13</a:t>
+              <a:t>2024/12/16</a:t>
             </a:fld>
             <a:endParaRPr kumimoji="1" lang="ja-JP" altLang="en-US"/>
           </a:p>
@@ -338,10 +336,9 @@
           <a:lstStyle/>
           <a:p>
             <a:r>
-              <a:rPr kumimoji="1" lang="ja-JP" altLang="en-US" smtClean="0"/>
+              <a:rPr kumimoji="1" lang="ja-JP" altLang="en-US"/>
               <a:t>マスター タイトルの書式設定</a:t>
             </a:r>
-            <a:endParaRPr kumimoji="1" lang="ja-JP" altLang="en-US"/>
           </a:p>
         </p:txBody>
       </p:sp>
@@ -362,70 +359,69 @@
           <a:p>
             <a:pPr lvl="0"/>
             <a:r>
-              <a:rPr kumimoji="1" lang="ja-JP" altLang="en-US" smtClean="0"/>
+              <a:rPr kumimoji="1" lang="ja-JP" altLang="en-US"/>
               <a:t>マスター テキストの書式設定</a:t>
             </a:r>
           </a:p>
           <a:p>
             <a:pPr lvl="1"/>
             <a:r>
-              <a:rPr kumimoji="1" lang="ja-JP" altLang="en-US" smtClean="0"/>
+              <a:rPr kumimoji="1" lang="ja-JP" altLang="en-US"/>
               <a:t>第 </a:t>
             </a:r>
             <a:r>
-              <a:rPr kumimoji="1" lang="en-US" altLang="ja-JP" smtClean="0"/>
+              <a:rPr kumimoji="1" lang="en-US" altLang="ja-JP"/>
               <a:t>2 </a:t>
             </a:r>
             <a:r>
-              <a:rPr kumimoji="1" lang="ja-JP" altLang="en-US" smtClean="0"/>
+              <a:rPr kumimoji="1" lang="ja-JP" altLang="en-US"/>
               <a:t>レベル</a:t>
             </a:r>
           </a:p>
           <a:p>
             <a:pPr lvl="2"/>
             <a:r>
-              <a:rPr kumimoji="1" lang="ja-JP" altLang="en-US" smtClean="0"/>
+              <a:rPr kumimoji="1" lang="ja-JP" altLang="en-US"/>
               <a:t>第 </a:t>
             </a:r>
             <a:r>
-              <a:rPr kumimoji="1" lang="en-US" altLang="ja-JP" smtClean="0"/>
+              <a:rPr kumimoji="1" lang="en-US" altLang="ja-JP"/>
               <a:t>3 </a:t>
             </a:r>
             <a:r>
-              <a:rPr kumimoji="1" lang="ja-JP" altLang="en-US" smtClean="0"/>
+              <a:rPr kumimoji="1" lang="ja-JP" altLang="en-US"/>
               <a:t>レベル</a:t>
             </a:r>
           </a:p>
           <a:p>
             <a:pPr lvl="3"/>
             <a:r>
-              <a:rPr kumimoji="1" lang="ja-JP" altLang="en-US" smtClean="0"/>
+              <a:rPr kumimoji="1" lang="ja-JP" altLang="en-US"/>
               <a:t>第 </a:t>
             </a:r>
             <a:r>
-              <a:rPr kumimoji="1" lang="en-US" altLang="ja-JP" smtClean="0"/>
+              <a:rPr kumimoji="1" lang="en-US" altLang="ja-JP"/>
               <a:t>4 </a:t>
             </a:r>
             <a:r>
-              <a:rPr kumimoji="1" lang="ja-JP" altLang="en-US" smtClean="0"/>
+              <a:rPr kumimoji="1" lang="ja-JP" altLang="en-US"/>
               <a:t>レベル</a:t>
             </a:r>
           </a:p>
           <a:p>
             <a:pPr lvl="4"/>
             <a:r>
-              <a:rPr kumimoji="1" lang="ja-JP" altLang="en-US" smtClean="0"/>
+              <a:rPr kumimoji="1" lang="ja-JP" altLang="en-US"/>
               <a:t>第 </a:t>
             </a:r>
             <a:r>
-              <a:rPr kumimoji="1" lang="en-US" altLang="ja-JP" smtClean="0"/>
+              <a:rPr kumimoji="1" lang="en-US" altLang="ja-JP"/>
               <a:t>5 </a:t>
             </a:r>
             <a:r>
-              <a:rPr kumimoji="1" lang="ja-JP" altLang="en-US" smtClean="0"/>
+              <a:rPr kumimoji="1" lang="ja-JP" altLang="en-US"/>
               <a:t>レベル</a:t>
             </a:r>
-            <a:endParaRPr kumimoji="1" lang="ja-JP" altLang="en-US"/>
           </a:p>
         </p:txBody>
       </p:sp>
@@ -446,7 +442,7 @@
           <a:p>
             <a:fld id="{5FFE69AB-2790-4DCE-A218-26C2142A832E}" type="datetimeFigureOut">
               <a:rPr kumimoji="1" lang="ja-JP" altLang="en-US" smtClean="0"/>
-              <a:t>2016/1/13</a:t>
+              <a:t>2024/12/16</a:t>
             </a:fld>
             <a:endParaRPr kumimoji="1" lang="ja-JP" altLang="en-US"/>
           </a:p>
@@ -545,10 +541,9 @@
           <a:lstStyle/>
           <a:p>
             <a:r>
-              <a:rPr kumimoji="1" lang="ja-JP" altLang="en-US" smtClean="0"/>
+              <a:rPr kumimoji="1" lang="ja-JP" altLang="en-US"/>
               <a:t>マスター タイトルの書式設定</a:t>
             </a:r>
-            <a:endParaRPr kumimoji="1" lang="ja-JP" altLang="en-US"/>
           </a:p>
         </p:txBody>
       </p:sp>
@@ -574,70 +569,69 @@
           <a:p>
             <a:pPr lvl="0"/>
             <a:r>
-              <a:rPr kumimoji="1" lang="ja-JP" altLang="en-US" smtClean="0"/>
+              <a:rPr kumimoji="1" lang="ja-JP" altLang="en-US"/>
               <a:t>マスター テキストの書式設定</a:t>
             </a:r>
           </a:p>
           <a:p>
             <a:pPr lvl="1"/>
             <a:r>
-              <a:rPr kumimoji="1" lang="ja-JP" altLang="en-US" smtClean="0"/>
+              <a:rPr kumimoji="1" lang="ja-JP" altLang="en-US"/>
               <a:t>第 </a:t>
             </a:r>
             <a:r>
-              <a:rPr kumimoji="1" lang="en-US" altLang="ja-JP" smtClean="0"/>
+              <a:rPr kumimoji="1" lang="en-US" altLang="ja-JP"/>
               <a:t>2 </a:t>
             </a:r>
             <a:r>
-              <a:rPr kumimoji="1" lang="ja-JP" altLang="en-US" smtClean="0"/>
+              <a:rPr kumimoji="1" lang="ja-JP" altLang="en-US"/>
               <a:t>レベル</a:t>
             </a:r>
           </a:p>
           <a:p>
             <a:pPr lvl="2"/>
             <a:r>
-              <a:rPr kumimoji="1" lang="ja-JP" altLang="en-US" smtClean="0"/>
+              <a:rPr kumimoji="1" lang="ja-JP" altLang="en-US"/>
               <a:t>第 </a:t>
             </a:r>
             <a:r>
-              <a:rPr kumimoji="1" lang="en-US" altLang="ja-JP" smtClean="0"/>
+              <a:rPr kumimoji="1" lang="en-US" altLang="ja-JP"/>
               <a:t>3 </a:t>
             </a:r>
             <a:r>
-              <a:rPr kumimoji="1" lang="ja-JP" altLang="en-US" smtClean="0"/>
+              <a:rPr kumimoji="1" lang="ja-JP" altLang="en-US"/>
               <a:t>レベル</a:t>
             </a:r>
           </a:p>
           <a:p>
             <a:pPr lvl="3"/>
             <a:r>
-              <a:rPr kumimoji="1" lang="ja-JP" altLang="en-US" smtClean="0"/>
+              <a:rPr kumimoji="1" lang="ja-JP" altLang="en-US"/>
               <a:t>第 </a:t>
             </a:r>
             <a:r>
-              <a:rPr kumimoji="1" lang="en-US" altLang="ja-JP" smtClean="0"/>
+              <a:rPr kumimoji="1" lang="en-US" altLang="ja-JP"/>
               <a:t>4 </a:t>
             </a:r>
             <a:r>
-              <a:rPr kumimoji="1" lang="ja-JP" altLang="en-US" smtClean="0"/>
+              <a:rPr kumimoji="1" lang="ja-JP" altLang="en-US"/>
               <a:t>レベル</a:t>
             </a:r>
           </a:p>
           <a:p>
             <a:pPr lvl="4"/>
             <a:r>
-              <a:rPr kumimoji="1" lang="ja-JP" altLang="en-US" smtClean="0"/>
+              <a:rPr kumimoji="1" lang="ja-JP" altLang="en-US"/>
               <a:t>第 </a:t>
             </a:r>
             <a:r>
-              <a:rPr kumimoji="1" lang="en-US" altLang="ja-JP" smtClean="0"/>
+              <a:rPr kumimoji="1" lang="en-US" altLang="ja-JP"/>
               <a:t>5 </a:t>
             </a:r>
             <a:r>
-              <a:rPr kumimoji="1" lang="ja-JP" altLang="en-US" smtClean="0"/>
+              <a:rPr kumimoji="1" lang="ja-JP" altLang="en-US"/>
               <a:t>レベル</a:t>
             </a:r>
-            <a:endParaRPr kumimoji="1" lang="ja-JP" altLang="en-US"/>
           </a:p>
         </p:txBody>
       </p:sp>
@@ -658,7 +652,7 @@
           <a:p>
             <a:fld id="{5FFE69AB-2790-4DCE-A218-26C2142A832E}" type="datetimeFigureOut">
               <a:rPr kumimoji="1" lang="ja-JP" altLang="en-US" smtClean="0"/>
-              <a:t>2016/1/13</a:t>
+              <a:t>2024/12/16</a:t>
             </a:fld>
             <a:endParaRPr kumimoji="1" lang="ja-JP" altLang="en-US"/>
           </a:p>
@@ -752,10 +746,9 @@
           <a:lstStyle/>
           <a:p>
             <a:r>
-              <a:rPr kumimoji="1" lang="ja-JP" altLang="en-US" smtClean="0"/>
+              <a:rPr kumimoji="1" lang="ja-JP" altLang="en-US"/>
               <a:t>マスター タイトルの書式設定</a:t>
             </a:r>
-            <a:endParaRPr kumimoji="1" lang="ja-JP" altLang="en-US"/>
           </a:p>
         </p:txBody>
       </p:sp>
@@ -776,70 +769,69 @@
           <a:p>
             <a:pPr lvl="0"/>
             <a:r>
-              <a:rPr kumimoji="1" lang="ja-JP" altLang="en-US" smtClean="0"/>
+              <a:rPr kumimoji="1" lang="ja-JP" altLang="en-US"/>
               <a:t>マスター テキストの書式設定</a:t>
             </a:r>
           </a:p>
           <a:p>
             <a:pPr lvl="1"/>
             <a:r>
-              <a:rPr kumimoji="1" lang="ja-JP" altLang="en-US" smtClean="0"/>
+              <a:rPr kumimoji="1" lang="ja-JP" altLang="en-US"/>
               <a:t>第 </a:t>
             </a:r>
             <a:r>
-              <a:rPr kumimoji="1" lang="en-US" altLang="ja-JP" smtClean="0"/>
+              <a:rPr kumimoji="1" lang="en-US" altLang="ja-JP"/>
               <a:t>2 </a:t>
             </a:r>
             <a:r>
-              <a:rPr kumimoji="1" lang="ja-JP" altLang="en-US" smtClean="0"/>
+              <a:rPr kumimoji="1" lang="ja-JP" altLang="en-US"/>
               <a:t>レベル</a:t>
             </a:r>
           </a:p>
           <a:p>
             <a:pPr lvl="2"/>
             <a:r>
-              <a:rPr kumimoji="1" lang="ja-JP" altLang="en-US" smtClean="0"/>
+              <a:rPr kumimoji="1" lang="ja-JP" altLang="en-US"/>
               <a:t>第 </a:t>
             </a:r>
             <a:r>
-              <a:rPr kumimoji="1" lang="en-US" altLang="ja-JP" smtClean="0"/>
+              <a:rPr kumimoji="1" lang="en-US" altLang="ja-JP"/>
               <a:t>3 </a:t>
             </a:r>
             <a:r>
-              <a:rPr kumimoji="1" lang="ja-JP" altLang="en-US" smtClean="0"/>
+              <a:rPr kumimoji="1" lang="ja-JP" altLang="en-US"/>
               <a:t>レベル</a:t>
             </a:r>
           </a:p>
           <a:p>
             <a:pPr lvl="3"/>
             <a:r>
-              <a:rPr kumimoji="1" lang="ja-JP" altLang="en-US" smtClean="0"/>
+              <a:rPr kumimoji="1" lang="ja-JP" altLang="en-US"/>
               <a:t>第 </a:t>
             </a:r>
             <a:r>
-              <a:rPr kumimoji="1" lang="en-US" altLang="ja-JP" smtClean="0"/>
+              <a:rPr kumimoji="1" lang="en-US" altLang="ja-JP"/>
               <a:t>4 </a:t>
             </a:r>
             <a:r>
-              <a:rPr kumimoji="1" lang="ja-JP" altLang="en-US" smtClean="0"/>
+              <a:rPr kumimoji="1" lang="ja-JP" altLang="en-US"/>
               <a:t>レベル</a:t>
             </a:r>
           </a:p>
           <a:p>
             <a:pPr lvl="4"/>
             <a:r>
-              <a:rPr kumimoji="1" lang="ja-JP" altLang="en-US" smtClean="0"/>
+              <a:rPr kumimoji="1" lang="ja-JP" altLang="en-US"/>
               <a:t>第 </a:t>
             </a:r>
             <a:r>
-              <a:rPr kumimoji="1" lang="en-US" altLang="ja-JP" smtClean="0"/>
+              <a:rPr kumimoji="1" lang="en-US" altLang="ja-JP"/>
               <a:t>5 </a:t>
             </a:r>
             <a:r>
-              <a:rPr kumimoji="1" lang="ja-JP" altLang="en-US" smtClean="0"/>
+              <a:rPr kumimoji="1" lang="ja-JP" altLang="en-US"/>
               <a:t>レベル</a:t>
             </a:r>
-            <a:endParaRPr kumimoji="1" lang="ja-JP" altLang="en-US"/>
           </a:p>
         </p:txBody>
       </p:sp>
@@ -860,7 +852,7 @@
           <a:p>
             <a:fld id="{5FFE69AB-2790-4DCE-A218-26C2142A832E}" type="datetimeFigureOut">
               <a:rPr kumimoji="1" lang="ja-JP" altLang="en-US" smtClean="0"/>
-              <a:t>2016/1/13</a:t>
+              <a:t>2024/12/16</a:t>
             </a:fld>
             <a:endParaRPr kumimoji="1" lang="ja-JP" altLang="en-US"/>
           </a:p>
@@ -963,10 +955,9 @@
           </a:lstStyle>
           <a:p>
             <a:r>
-              <a:rPr kumimoji="1" lang="ja-JP" altLang="en-US" smtClean="0"/>
+              <a:rPr kumimoji="1" lang="ja-JP" altLang="en-US"/>
               <a:t>マスター タイトルの書式設定</a:t>
             </a:r>
-            <a:endParaRPr kumimoji="1" lang="ja-JP" altLang="en-US"/>
           </a:p>
         </p:txBody>
       </p:sp>
@@ -1083,7 +1074,7 @@
           <a:p>
             <a:pPr lvl="0"/>
             <a:r>
-              <a:rPr kumimoji="1" lang="ja-JP" altLang="en-US" smtClean="0"/>
+              <a:rPr kumimoji="1" lang="ja-JP" altLang="en-US"/>
               <a:t>マスター テキストの書式設定</a:t>
             </a:r>
           </a:p>
@@ -1106,7 +1097,7 @@
           <a:p>
             <a:fld id="{5FFE69AB-2790-4DCE-A218-26C2142A832E}" type="datetimeFigureOut">
               <a:rPr kumimoji="1" lang="ja-JP" altLang="en-US" smtClean="0"/>
-              <a:t>2016/1/13</a:t>
+              <a:t>2024/12/16</a:t>
             </a:fld>
             <a:endParaRPr kumimoji="1" lang="ja-JP" altLang="en-US"/>
           </a:p>
@@ -1200,10 +1191,9 @@
           <a:lstStyle/>
           <a:p>
             <a:r>
-              <a:rPr kumimoji="1" lang="ja-JP" altLang="en-US" smtClean="0"/>
+              <a:rPr kumimoji="1" lang="ja-JP" altLang="en-US"/>
               <a:t>マスター タイトルの書式設定</a:t>
             </a:r>
-            <a:endParaRPr kumimoji="1" lang="ja-JP" altLang="en-US"/>
           </a:p>
         </p:txBody>
       </p:sp>
@@ -1229,70 +1219,69 @@
           <a:p>
             <a:pPr lvl="0"/>
             <a:r>
-              <a:rPr kumimoji="1" lang="ja-JP" altLang="en-US" smtClean="0"/>
+              <a:rPr kumimoji="1" lang="ja-JP" altLang="en-US"/>
               <a:t>マスター テキストの書式設定</a:t>
             </a:r>
           </a:p>
           <a:p>
             <a:pPr lvl="1"/>
             <a:r>
-              <a:rPr kumimoji="1" lang="ja-JP" altLang="en-US" smtClean="0"/>
+              <a:rPr kumimoji="1" lang="ja-JP" altLang="en-US"/>
               <a:t>第 </a:t>
             </a:r>
             <a:r>
-              <a:rPr kumimoji="1" lang="en-US" altLang="ja-JP" smtClean="0"/>
+              <a:rPr kumimoji="1" lang="en-US" altLang="ja-JP"/>
               <a:t>2 </a:t>
             </a:r>
             <a:r>
-              <a:rPr kumimoji="1" lang="ja-JP" altLang="en-US" smtClean="0"/>
+              <a:rPr kumimoji="1" lang="ja-JP" altLang="en-US"/>
               <a:t>レベル</a:t>
             </a:r>
           </a:p>
           <a:p>
             <a:pPr lvl="2"/>
             <a:r>
-              <a:rPr kumimoji="1" lang="ja-JP" altLang="en-US" smtClean="0"/>
+              <a:rPr kumimoji="1" lang="ja-JP" altLang="en-US"/>
               <a:t>第 </a:t>
             </a:r>
             <a:r>
-              <a:rPr kumimoji="1" lang="en-US" altLang="ja-JP" smtClean="0"/>
+              <a:rPr kumimoji="1" lang="en-US" altLang="ja-JP"/>
               <a:t>3 </a:t>
             </a:r>
             <a:r>
-              <a:rPr kumimoji="1" lang="ja-JP" altLang="en-US" smtClean="0"/>
+              <a:rPr kumimoji="1" lang="ja-JP" altLang="en-US"/>
               <a:t>レベル</a:t>
             </a:r>
           </a:p>
           <a:p>
             <a:pPr lvl="3"/>
             <a:r>
-              <a:rPr kumimoji="1" lang="ja-JP" altLang="en-US" smtClean="0"/>
+              <a:rPr kumimoji="1" lang="ja-JP" altLang="en-US"/>
               <a:t>第 </a:t>
             </a:r>
             <a:r>
-              <a:rPr kumimoji="1" lang="en-US" altLang="ja-JP" smtClean="0"/>
+              <a:rPr kumimoji="1" lang="en-US" altLang="ja-JP"/>
               <a:t>4 </a:t>
             </a:r>
             <a:r>
-              <a:rPr kumimoji="1" lang="ja-JP" altLang="en-US" smtClean="0"/>
+              <a:rPr kumimoji="1" lang="ja-JP" altLang="en-US"/>
               <a:t>レベル</a:t>
             </a:r>
           </a:p>
           <a:p>
             <a:pPr lvl="4"/>
             <a:r>
-              <a:rPr kumimoji="1" lang="ja-JP" altLang="en-US" smtClean="0"/>
+              <a:rPr kumimoji="1" lang="ja-JP" altLang="en-US"/>
               <a:t>第 </a:t>
             </a:r>
             <a:r>
-              <a:rPr kumimoji="1" lang="en-US" altLang="ja-JP" smtClean="0"/>
+              <a:rPr kumimoji="1" lang="en-US" altLang="ja-JP"/>
               <a:t>5 </a:t>
             </a:r>
             <a:r>
-              <a:rPr kumimoji="1" lang="ja-JP" altLang="en-US" smtClean="0"/>
+              <a:rPr kumimoji="1" lang="ja-JP" altLang="en-US"/>
               <a:t>レベル</a:t>
             </a:r>
-            <a:endParaRPr kumimoji="1" lang="ja-JP" altLang="en-US"/>
           </a:p>
         </p:txBody>
       </p:sp>
@@ -1318,70 +1307,69 @@
           <a:p>
             <a:pPr lvl="0"/>
             <a:r>
-              <a:rPr kumimoji="1" lang="ja-JP" altLang="en-US" smtClean="0"/>
+              <a:rPr kumimoji="1" lang="ja-JP" altLang="en-US"/>
               <a:t>マスター テキストの書式設定</a:t>
             </a:r>
           </a:p>
           <a:p>
             <a:pPr lvl="1"/>
             <a:r>
-              <a:rPr kumimoji="1" lang="ja-JP" altLang="en-US" smtClean="0"/>
+              <a:rPr kumimoji="1" lang="ja-JP" altLang="en-US"/>
               <a:t>第 </a:t>
             </a:r>
             <a:r>
-              <a:rPr kumimoji="1" lang="en-US" altLang="ja-JP" smtClean="0"/>
+              <a:rPr kumimoji="1" lang="en-US" altLang="ja-JP"/>
               <a:t>2 </a:t>
             </a:r>
             <a:r>
-              <a:rPr kumimoji="1" lang="ja-JP" altLang="en-US" smtClean="0"/>
+              <a:rPr kumimoji="1" lang="ja-JP" altLang="en-US"/>
               <a:t>レベル</a:t>
             </a:r>
           </a:p>
           <a:p>
             <a:pPr lvl="2"/>
             <a:r>
-              <a:rPr kumimoji="1" lang="ja-JP" altLang="en-US" smtClean="0"/>
+              <a:rPr kumimoji="1" lang="ja-JP" altLang="en-US"/>
               <a:t>第 </a:t>
             </a:r>
             <a:r>
-              <a:rPr kumimoji="1" lang="en-US" altLang="ja-JP" smtClean="0"/>
+              <a:rPr kumimoji="1" lang="en-US" altLang="ja-JP"/>
               <a:t>3 </a:t>
             </a:r>
             <a:r>
-              <a:rPr kumimoji="1" lang="ja-JP" altLang="en-US" smtClean="0"/>
+              <a:rPr kumimoji="1" lang="ja-JP" altLang="en-US"/>
               <a:t>レベル</a:t>
             </a:r>
           </a:p>
           <a:p>
             <a:pPr lvl="3"/>
             <a:r>
-              <a:rPr kumimoji="1" lang="ja-JP" altLang="en-US" smtClean="0"/>
+              <a:rPr kumimoji="1" lang="ja-JP" altLang="en-US"/>
               <a:t>第 </a:t>
             </a:r>
             <a:r>
-              <a:rPr kumimoji="1" lang="en-US" altLang="ja-JP" smtClean="0"/>
+              <a:rPr kumimoji="1" lang="en-US" altLang="ja-JP"/>
               <a:t>4 </a:t>
             </a:r>
             <a:r>
-              <a:rPr kumimoji="1" lang="ja-JP" altLang="en-US" smtClean="0"/>
+              <a:rPr kumimoji="1" lang="ja-JP" altLang="en-US"/>
               <a:t>レベル</a:t>
             </a:r>
           </a:p>
           <a:p>
             <a:pPr lvl="4"/>
             <a:r>
-              <a:rPr kumimoji="1" lang="ja-JP" altLang="en-US" smtClean="0"/>
+              <a:rPr kumimoji="1" lang="ja-JP" altLang="en-US"/>
               <a:t>第 </a:t>
             </a:r>
             <a:r>
-              <a:rPr kumimoji="1" lang="en-US" altLang="ja-JP" smtClean="0"/>
+              <a:rPr kumimoji="1" lang="en-US" altLang="ja-JP"/>
               <a:t>5 </a:t>
             </a:r>
             <a:r>
-              <a:rPr kumimoji="1" lang="ja-JP" altLang="en-US" smtClean="0"/>
+              <a:rPr kumimoji="1" lang="ja-JP" altLang="en-US"/>
               <a:t>レベル</a:t>
             </a:r>
-            <a:endParaRPr kumimoji="1" lang="ja-JP" altLang="en-US"/>
           </a:p>
         </p:txBody>
       </p:sp>
@@ -1402,7 +1390,7 @@
           <a:p>
             <a:fld id="{5FFE69AB-2790-4DCE-A218-26C2142A832E}" type="datetimeFigureOut">
               <a:rPr kumimoji="1" lang="ja-JP" altLang="en-US" smtClean="0"/>
-              <a:t>2016/1/13</a:t>
+              <a:t>2024/12/16</a:t>
             </a:fld>
             <a:endParaRPr kumimoji="1" lang="ja-JP" altLang="en-US"/>
           </a:p>
@@ -1501,10 +1489,9 @@
           <a:lstStyle/>
           <a:p>
             <a:r>
-              <a:rPr kumimoji="1" lang="ja-JP" altLang="en-US" smtClean="0"/>
+              <a:rPr kumimoji="1" lang="ja-JP" altLang="en-US"/>
               <a:t>マスター タイトルの書式設定</a:t>
             </a:r>
-            <a:endParaRPr kumimoji="1" lang="ja-JP" altLang="en-US"/>
           </a:p>
         </p:txBody>
       </p:sp>
@@ -1567,7 +1554,7 @@
           <a:p>
             <a:pPr lvl="0"/>
             <a:r>
-              <a:rPr kumimoji="1" lang="ja-JP" altLang="en-US" smtClean="0"/>
+              <a:rPr kumimoji="1" lang="ja-JP" altLang="en-US"/>
               <a:t>マスター テキストの書式設定</a:t>
             </a:r>
           </a:p>
@@ -1595,70 +1582,69 @@
           <a:p>
             <a:pPr lvl="0"/>
             <a:r>
-              <a:rPr kumimoji="1" lang="ja-JP" altLang="en-US" smtClean="0"/>
+              <a:rPr kumimoji="1" lang="ja-JP" altLang="en-US"/>
               <a:t>マスター テキストの書式設定</a:t>
             </a:r>
           </a:p>
           <a:p>
             <a:pPr lvl="1"/>
             <a:r>
-              <a:rPr kumimoji="1" lang="ja-JP" altLang="en-US" smtClean="0"/>
+              <a:rPr kumimoji="1" lang="ja-JP" altLang="en-US"/>
               <a:t>第 </a:t>
             </a:r>
             <a:r>
-              <a:rPr kumimoji="1" lang="en-US" altLang="ja-JP" smtClean="0"/>
+              <a:rPr kumimoji="1" lang="en-US" altLang="ja-JP"/>
               <a:t>2 </a:t>
             </a:r>
             <a:r>
-              <a:rPr kumimoji="1" lang="ja-JP" altLang="en-US" smtClean="0"/>
+              <a:rPr kumimoji="1" lang="ja-JP" altLang="en-US"/>
               <a:t>レベル</a:t>
             </a:r>
           </a:p>
           <a:p>
             <a:pPr lvl="2"/>
             <a:r>
-              <a:rPr kumimoji="1" lang="ja-JP" altLang="en-US" smtClean="0"/>
+              <a:rPr kumimoji="1" lang="ja-JP" altLang="en-US"/>
               <a:t>第 </a:t>
             </a:r>
             <a:r>
-              <a:rPr kumimoji="1" lang="en-US" altLang="ja-JP" smtClean="0"/>
+              <a:rPr kumimoji="1" lang="en-US" altLang="ja-JP"/>
               <a:t>3 </a:t>
             </a:r>
             <a:r>
-              <a:rPr kumimoji="1" lang="ja-JP" altLang="en-US" smtClean="0"/>
+              <a:rPr kumimoji="1" lang="ja-JP" altLang="en-US"/>
               <a:t>レベル</a:t>
             </a:r>
           </a:p>
           <a:p>
             <a:pPr lvl="3"/>
             <a:r>
-              <a:rPr kumimoji="1" lang="ja-JP" altLang="en-US" smtClean="0"/>
+              <a:rPr kumimoji="1" lang="ja-JP" altLang="en-US"/>
               <a:t>第 </a:t>
             </a:r>
             <a:r>
-              <a:rPr kumimoji="1" lang="en-US" altLang="ja-JP" smtClean="0"/>
+              <a:rPr kumimoji="1" lang="en-US" altLang="ja-JP"/>
               <a:t>4 </a:t>
             </a:r>
             <a:r>
-              <a:rPr kumimoji="1" lang="ja-JP" altLang="en-US" smtClean="0"/>
+              <a:rPr kumimoji="1" lang="ja-JP" altLang="en-US"/>
               <a:t>レベル</a:t>
             </a:r>
           </a:p>
           <a:p>
             <a:pPr lvl="4"/>
             <a:r>
-              <a:rPr kumimoji="1" lang="ja-JP" altLang="en-US" smtClean="0"/>
+              <a:rPr kumimoji="1" lang="ja-JP" altLang="en-US"/>
               <a:t>第 </a:t>
             </a:r>
             <a:r>
-              <a:rPr kumimoji="1" lang="en-US" altLang="ja-JP" smtClean="0"/>
+              <a:rPr kumimoji="1" lang="en-US" altLang="ja-JP"/>
               <a:t>5 </a:t>
             </a:r>
             <a:r>
-              <a:rPr kumimoji="1" lang="ja-JP" altLang="en-US" smtClean="0"/>
+              <a:rPr kumimoji="1" lang="ja-JP" altLang="en-US"/>
               <a:t>レベル</a:t>
             </a:r>
-            <a:endParaRPr kumimoji="1" lang="ja-JP" altLang="en-US"/>
           </a:p>
         </p:txBody>
       </p:sp>
@@ -1721,7 +1707,7 @@
           <a:p>
             <a:pPr lvl="0"/>
             <a:r>
-              <a:rPr kumimoji="1" lang="ja-JP" altLang="en-US" smtClean="0"/>
+              <a:rPr kumimoji="1" lang="ja-JP" altLang="en-US"/>
               <a:t>マスター テキストの書式設定</a:t>
             </a:r>
           </a:p>
@@ -1749,70 +1735,69 @@
           <a:p>
             <a:pPr lvl="0"/>
             <a:r>
-              <a:rPr kumimoji="1" lang="ja-JP" altLang="en-US" smtClean="0"/>
+              <a:rPr kumimoji="1" lang="ja-JP" altLang="en-US"/>
               <a:t>マスター テキストの書式設定</a:t>
             </a:r>
           </a:p>
           <a:p>
             <a:pPr lvl="1"/>
             <a:r>
-              <a:rPr kumimoji="1" lang="ja-JP" altLang="en-US" smtClean="0"/>
+              <a:rPr kumimoji="1" lang="ja-JP" altLang="en-US"/>
               <a:t>第 </a:t>
             </a:r>
             <a:r>
-              <a:rPr kumimoji="1" lang="en-US" altLang="ja-JP" smtClean="0"/>
+              <a:rPr kumimoji="1" lang="en-US" altLang="ja-JP"/>
               <a:t>2 </a:t>
             </a:r>
             <a:r>
-              <a:rPr kumimoji="1" lang="ja-JP" altLang="en-US" smtClean="0"/>
+              <a:rPr kumimoji="1" lang="ja-JP" altLang="en-US"/>
               <a:t>レベル</a:t>
             </a:r>
           </a:p>
           <a:p>
             <a:pPr lvl="2"/>
             <a:r>
-              <a:rPr kumimoji="1" lang="ja-JP" altLang="en-US" smtClean="0"/>
+              <a:rPr kumimoji="1" lang="ja-JP" altLang="en-US"/>
               <a:t>第 </a:t>
             </a:r>
             <a:r>
-              <a:rPr kumimoji="1" lang="en-US" altLang="ja-JP" smtClean="0"/>
+              <a:rPr kumimoji="1" lang="en-US" altLang="ja-JP"/>
               <a:t>3 </a:t>
             </a:r>
             <a:r>
-              <a:rPr kumimoji="1" lang="ja-JP" altLang="en-US" smtClean="0"/>
+              <a:rPr kumimoji="1" lang="ja-JP" altLang="en-US"/>
               <a:t>レベル</a:t>
             </a:r>
           </a:p>
           <a:p>
             <a:pPr lvl="3"/>
             <a:r>
-              <a:rPr kumimoji="1" lang="ja-JP" altLang="en-US" smtClean="0"/>
+              <a:rPr kumimoji="1" lang="ja-JP" altLang="en-US"/>
               <a:t>第 </a:t>
             </a:r>
             <a:r>
-              <a:rPr kumimoji="1" lang="en-US" altLang="ja-JP" smtClean="0"/>
+              <a:rPr kumimoji="1" lang="en-US" altLang="ja-JP"/>
               <a:t>4 </a:t>
             </a:r>
             <a:r>
-              <a:rPr kumimoji="1" lang="ja-JP" altLang="en-US" smtClean="0"/>
+              <a:rPr kumimoji="1" lang="ja-JP" altLang="en-US"/>
               <a:t>レベル</a:t>
             </a:r>
           </a:p>
           <a:p>
             <a:pPr lvl="4"/>
             <a:r>
-              <a:rPr kumimoji="1" lang="ja-JP" altLang="en-US" smtClean="0"/>
+              <a:rPr kumimoji="1" lang="ja-JP" altLang="en-US"/>
               <a:t>第 </a:t>
             </a:r>
             <a:r>
-              <a:rPr kumimoji="1" lang="en-US" altLang="ja-JP" smtClean="0"/>
+              <a:rPr kumimoji="1" lang="en-US" altLang="ja-JP"/>
               <a:t>5 </a:t>
             </a:r>
             <a:r>
-              <a:rPr kumimoji="1" lang="ja-JP" altLang="en-US" smtClean="0"/>
+              <a:rPr kumimoji="1" lang="ja-JP" altLang="en-US"/>
               <a:t>レベル</a:t>
             </a:r>
-            <a:endParaRPr kumimoji="1" lang="ja-JP" altLang="en-US"/>
           </a:p>
         </p:txBody>
       </p:sp>
@@ -1833,7 +1818,7 @@
           <a:p>
             <a:fld id="{5FFE69AB-2790-4DCE-A218-26C2142A832E}" type="datetimeFigureOut">
               <a:rPr kumimoji="1" lang="ja-JP" altLang="en-US" smtClean="0"/>
-              <a:t>2016/1/13</a:t>
+              <a:t>2024/12/16</a:t>
             </a:fld>
             <a:endParaRPr kumimoji="1" lang="ja-JP" altLang="en-US"/>
           </a:p>
@@ -1927,10 +1912,9 @@
           <a:lstStyle/>
           <a:p>
             <a:r>
-              <a:rPr kumimoji="1" lang="ja-JP" altLang="en-US" smtClean="0"/>
+              <a:rPr kumimoji="1" lang="ja-JP" altLang="en-US"/>
               <a:t>マスター タイトルの書式設定</a:t>
             </a:r>
-            <a:endParaRPr kumimoji="1" lang="ja-JP" altLang="en-US"/>
           </a:p>
         </p:txBody>
       </p:sp>
@@ -1951,7 +1935,7 @@
           <a:p>
             <a:fld id="{5FFE69AB-2790-4DCE-A218-26C2142A832E}" type="datetimeFigureOut">
               <a:rPr kumimoji="1" lang="ja-JP" altLang="en-US" smtClean="0"/>
-              <a:t>2016/1/13</a:t>
+              <a:t>2024/12/16</a:t>
             </a:fld>
             <a:endParaRPr kumimoji="1" lang="ja-JP" altLang="en-US"/>
           </a:p>
@@ -2046,7 +2030,7 @@
           <a:p>
             <a:fld id="{5FFE69AB-2790-4DCE-A218-26C2142A832E}" type="datetimeFigureOut">
               <a:rPr kumimoji="1" lang="ja-JP" altLang="en-US" smtClean="0"/>
-              <a:t>2016/1/13</a:t>
+              <a:t>2024/12/16</a:t>
             </a:fld>
             <a:endParaRPr kumimoji="1" lang="ja-JP" altLang="en-US"/>
           </a:p>
@@ -2149,10 +2133,9 @@
           </a:lstStyle>
           <a:p>
             <a:r>
-              <a:rPr kumimoji="1" lang="ja-JP" altLang="en-US" smtClean="0"/>
+              <a:rPr kumimoji="1" lang="ja-JP" altLang="en-US"/>
               <a:t>マスター タイトルの書式設定</a:t>
             </a:r>
-            <a:endParaRPr kumimoji="1" lang="ja-JP" altLang="en-US"/>
           </a:p>
         </p:txBody>
       </p:sp>
@@ -2206,70 +2189,69 @@
           <a:p>
             <a:pPr lvl="0"/>
             <a:r>
-              <a:rPr kumimoji="1" lang="ja-JP" altLang="en-US" smtClean="0"/>
+              <a:rPr kumimoji="1" lang="ja-JP" altLang="en-US"/>
               <a:t>マスター テキストの書式設定</a:t>
             </a:r>
           </a:p>
           <a:p>
             <a:pPr lvl="1"/>
             <a:r>
-              <a:rPr kumimoji="1" lang="ja-JP" altLang="en-US" smtClean="0"/>
+              <a:rPr kumimoji="1" lang="ja-JP" altLang="en-US"/>
               <a:t>第 </a:t>
             </a:r>
             <a:r>
-              <a:rPr kumimoji="1" lang="en-US" altLang="ja-JP" smtClean="0"/>
+              <a:rPr kumimoji="1" lang="en-US" altLang="ja-JP"/>
               <a:t>2 </a:t>
             </a:r>
             <a:r>
-              <a:rPr kumimoji="1" lang="ja-JP" altLang="en-US" smtClean="0"/>
+              <a:rPr kumimoji="1" lang="ja-JP" altLang="en-US"/>
               <a:t>レベル</a:t>
             </a:r>
           </a:p>
           <a:p>
             <a:pPr lvl="2"/>
             <a:r>
-              <a:rPr kumimoji="1" lang="ja-JP" altLang="en-US" smtClean="0"/>
+              <a:rPr kumimoji="1" lang="ja-JP" altLang="en-US"/>
               <a:t>第 </a:t>
             </a:r>
             <a:r>
-              <a:rPr kumimoji="1" lang="en-US" altLang="ja-JP" smtClean="0"/>
+              <a:rPr kumimoji="1" lang="en-US" altLang="ja-JP"/>
               <a:t>3 </a:t>
             </a:r>
             <a:r>
-              <a:rPr kumimoji="1" lang="ja-JP" altLang="en-US" smtClean="0"/>
+              <a:rPr kumimoji="1" lang="ja-JP" altLang="en-US"/>
               <a:t>レベル</a:t>
             </a:r>
           </a:p>
           <a:p>
             <a:pPr lvl="3"/>
             <a:r>
-              <a:rPr kumimoji="1" lang="ja-JP" altLang="en-US" smtClean="0"/>
+              <a:rPr kumimoji="1" lang="ja-JP" altLang="en-US"/>
               <a:t>第 </a:t>
             </a:r>
             <a:r>
-              <a:rPr kumimoji="1" lang="en-US" altLang="ja-JP" smtClean="0"/>
+              <a:rPr kumimoji="1" lang="en-US" altLang="ja-JP"/>
               <a:t>4 </a:t>
             </a:r>
             <a:r>
-              <a:rPr kumimoji="1" lang="ja-JP" altLang="en-US" smtClean="0"/>
+              <a:rPr kumimoji="1" lang="ja-JP" altLang="en-US"/>
               <a:t>レベル</a:t>
             </a:r>
           </a:p>
           <a:p>
             <a:pPr lvl="4"/>
             <a:r>
-              <a:rPr kumimoji="1" lang="ja-JP" altLang="en-US" smtClean="0"/>
+              <a:rPr kumimoji="1" lang="ja-JP" altLang="en-US"/>
               <a:t>第 </a:t>
             </a:r>
             <a:r>
-              <a:rPr kumimoji="1" lang="en-US" altLang="ja-JP" smtClean="0"/>
+              <a:rPr kumimoji="1" lang="en-US" altLang="ja-JP"/>
               <a:t>5 </a:t>
             </a:r>
             <a:r>
-              <a:rPr kumimoji="1" lang="ja-JP" altLang="en-US" smtClean="0"/>
+              <a:rPr kumimoji="1" lang="ja-JP" altLang="en-US"/>
               <a:t>レベル</a:t>
             </a:r>
-            <a:endParaRPr kumimoji="1" lang="ja-JP" altLang="en-US"/>
           </a:p>
         </p:txBody>
       </p:sp>
@@ -2332,7 +2314,7 @@
           <a:p>
             <a:pPr lvl="0"/>
             <a:r>
-              <a:rPr kumimoji="1" lang="ja-JP" altLang="en-US" smtClean="0"/>
+              <a:rPr kumimoji="1" lang="ja-JP" altLang="en-US"/>
               <a:t>マスター テキストの書式設定</a:t>
             </a:r>
           </a:p>
@@ -2355,7 +2337,7 @@
           <a:p>
             <a:fld id="{5FFE69AB-2790-4DCE-A218-26C2142A832E}" type="datetimeFigureOut">
               <a:rPr kumimoji="1" lang="ja-JP" altLang="en-US" smtClean="0"/>
-              <a:t>2016/1/13</a:t>
+              <a:t>2024/12/16</a:t>
             </a:fld>
             <a:endParaRPr kumimoji="1" lang="ja-JP" altLang="en-US"/>
           </a:p>
@@ -2458,10 +2440,9 @@
           </a:lstStyle>
           <a:p>
             <a:r>
-              <a:rPr kumimoji="1" lang="ja-JP" altLang="en-US" smtClean="0"/>
+              <a:rPr kumimoji="1" lang="ja-JP" altLang="en-US"/>
               <a:t>マスター タイトルの書式設定</a:t>
             </a:r>
-            <a:endParaRPr kumimoji="1" lang="ja-JP" altLang="en-US"/>
           </a:p>
         </p:txBody>
       </p:sp>
@@ -2585,7 +2566,7 @@
           <a:p>
             <a:pPr lvl="0"/>
             <a:r>
-              <a:rPr kumimoji="1" lang="ja-JP" altLang="en-US" smtClean="0"/>
+              <a:rPr kumimoji="1" lang="ja-JP" altLang="en-US"/>
               <a:t>マスター テキストの書式設定</a:t>
             </a:r>
           </a:p>
@@ -2608,7 +2589,7 @@
           <a:p>
             <a:fld id="{5FFE69AB-2790-4DCE-A218-26C2142A832E}" type="datetimeFigureOut">
               <a:rPr kumimoji="1" lang="ja-JP" altLang="en-US" smtClean="0"/>
-              <a:t>2016/1/13</a:t>
+              <a:t>2024/12/16</a:t>
             </a:fld>
             <a:endParaRPr kumimoji="1" lang="ja-JP" altLang="en-US"/>
           </a:p>
@@ -2717,10 +2698,9 @@
           <a:lstStyle/>
           <a:p>
             <a:r>
-              <a:rPr kumimoji="1" lang="ja-JP" altLang="en-US" smtClean="0"/>
+              <a:rPr kumimoji="1" lang="ja-JP" altLang="en-US"/>
               <a:t>マスター タイトルの書式設定</a:t>
             </a:r>
-            <a:endParaRPr kumimoji="1" lang="ja-JP" altLang="en-US"/>
           </a:p>
         </p:txBody>
       </p:sp>
@@ -2751,70 +2731,69 @@
           <a:p>
             <a:pPr lvl="0"/>
             <a:r>
-              <a:rPr kumimoji="1" lang="ja-JP" altLang="en-US" smtClean="0"/>
+              <a:rPr kumimoji="1" lang="ja-JP" altLang="en-US"/>
               <a:t>マスター テキストの書式設定</a:t>
             </a:r>
           </a:p>
           <a:p>
             <a:pPr lvl="1"/>
             <a:r>
-              <a:rPr kumimoji="1" lang="ja-JP" altLang="en-US" smtClean="0"/>
+              <a:rPr kumimoji="1" lang="ja-JP" altLang="en-US"/>
               <a:t>第 </a:t>
             </a:r>
             <a:r>
-              <a:rPr kumimoji="1" lang="en-US" altLang="ja-JP" smtClean="0"/>
+              <a:rPr kumimoji="1" lang="en-US" altLang="ja-JP"/>
               <a:t>2 </a:t>
             </a:r>
             <a:r>
-              <a:rPr kumimoji="1" lang="ja-JP" altLang="en-US" smtClean="0"/>
+              <a:rPr kumimoji="1" lang="ja-JP" altLang="en-US"/>
               <a:t>レベル</a:t>
             </a:r>
           </a:p>
           <a:p>
             <a:pPr lvl="2"/>
             <a:r>
-              <a:rPr kumimoji="1" lang="ja-JP" altLang="en-US" smtClean="0"/>
+              <a:rPr kumimoji="1" lang="ja-JP" altLang="en-US"/>
               <a:t>第 </a:t>
             </a:r>
             <a:r>
-              <a:rPr kumimoji="1" lang="en-US" altLang="ja-JP" smtClean="0"/>
+              <a:rPr kumimoji="1" lang="en-US" altLang="ja-JP"/>
               <a:t>3 </a:t>
             </a:r>
             <a:r>
-              <a:rPr kumimoji="1" lang="ja-JP" altLang="en-US" smtClean="0"/>
+              <a:rPr kumimoji="1" lang="ja-JP" altLang="en-US"/>
               <a:t>レベル</a:t>
             </a:r>
           </a:p>
           <a:p>
             <a:pPr lvl="3"/>
             <a:r>
-              <a:rPr kumimoji="1" lang="ja-JP" altLang="en-US" smtClean="0"/>
+              <a:rPr kumimoji="1" lang="ja-JP" altLang="en-US"/>
               <a:t>第 </a:t>
             </a:r>
             <a:r>
-              <a:rPr kumimoji="1" lang="en-US" altLang="ja-JP" smtClean="0"/>
+              <a:rPr kumimoji="1" lang="en-US" altLang="ja-JP"/>
               <a:t>4 </a:t>
             </a:r>
             <a:r>
-              <a:rPr kumimoji="1" lang="ja-JP" altLang="en-US" smtClean="0"/>
+              <a:rPr kumimoji="1" lang="ja-JP" altLang="en-US"/>
               <a:t>レベル</a:t>
             </a:r>
           </a:p>
           <a:p>
             <a:pPr lvl="4"/>
             <a:r>
-              <a:rPr kumimoji="1" lang="ja-JP" altLang="en-US" smtClean="0"/>
+              <a:rPr kumimoji="1" lang="ja-JP" altLang="en-US"/>
               <a:t>第 </a:t>
             </a:r>
             <a:r>
-              <a:rPr kumimoji="1" lang="en-US" altLang="ja-JP" smtClean="0"/>
+              <a:rPr kumimoji="1" lang="en-US" altLang="ja-JP"/>
               <a:t>5 </a:t>
             </a:r>
             <a:r>
-              <a:rPr kumimoji="1" lang="ja-JP" altLang="en-US" smtClean="0"/>
+              <a:rPr kumimoji="1" lang="ja-JP" altLang="en-US"/>
               <a:t>レベル</a:t>
             </a:r>
-            <a:endParaRPr kumimoji="1" lang="ja-JP" altLang="en-US"/>
           </a:p>
         </p:txBody>
       </p:sp>
@@ -2853,7 +2832,7 @@
           <a:p>
             <a:fld id="{5FFE69AB-2790-4DCE-A218-26C2142A832E}" type="datetimeFigureOut">
               <a:rPr kumimoji="1" lang="ja-JP" altLang="en-US" smtClean="0"/>
-              <a:t>2016/1/13</a:t>
+              <a:t>2024/12/16</a:t>
             </a:fld>
             <a:endParaRPr kumimoji="1" lang="ja-JP" altLang="en-US"/>
           </a:p>
@@ -5613,6 +5592,433 @@
           <a:chExt cx="0" cy="0"/>
         </a:xfrm>
       </p:grpSpPr>
+      <p:grpSp>
+        <p:nvGrpSpPr>
+          <p:cNvPr id="2" name="グループ化 1">
+            <a:extLst>
+              <a:ext uri="{FF2B5EF4-FFF2-40B4-BE49-F238E27FC236}">
+                <a16:creationId xmlns:a16="http://schemas.microsoft.com/office/drawing/2014/main" id="{5C98DA95-4FE5-781A-380E-25167B0EC693}"/>
+              </a:ext>
+            </a:extLst>
+          </p:cNvPr>
+          <p:cNvGrpSpPr/>
+          <p:nvPr/>
+        </p:nvGrpSpPr>
+        <p:grpSpPr>
+          <a:xfrm>
+            <a:off x="824830" y="365003"/>
+            <a:ext cx="2880000" cy="2880000"/>
+            <a:chOff x="1433384" y="683741"/>
+            <a:chExt cx="2880000" cy="2880000"/>
+          </a:xfrm>
+        </p:grpSpPr>
+        <p:sp>
+          <p:nvSpPr>
+            <p:cNvPr id="3" name="正方形/長方形 2">
+              <a:extLst>
+                <a:ext uri="{FF2B5EF4-FFF2-40B4-BE49-F238E27FC236}">
+                  <a16:creationId xmlns:a16="http://schemas.microsoft.com/office/drawing/2014/main" id="{BD4913EA-7C83-A8C3-B9EA-1249713DB330}"/>
+                </a:ext>
+              </a:extLst>
+            </p:cNvPr>
+            <p:cNvSpPr>
+              <a:spLocks noChangeAspect="1"/>
+            </p:cNvSpPr>
+            <p:nvPr/>
+          </p:nvSpPr>
+          <p:spPr>
+            <a:xfrm>
+              <a:off x="1433384" y="683741"/>
+              <a:ext cx="2880000" cy="2880000"/>
+            </a:xfrm>
+            <a:prstGeom prst="rect">
+              <a:avLst/>
+            </a:prstGeom>
+          </p:spPr>
+          <p:style>
+            <a:lnRef idx="2">
+              <a:schemeClr val="dk1">
+                <a:shade val="50000"/>
+              </a:schemeClr>
+            </a:lnRef>
+            <a:fillRef idx="1">
+              <a:schemeClr val="dk1"/>
+            </a:fillRef>
+            <a:effectRef idx="0">
+              <a:schemeClr val="dk1"/>
+            </a:effectRef>
+            <a:fontRef idx="minor">
+              <a:schemeClr val="lt1"/>
+            </a:fontRef>
+          </p:style>
+          <p:txBody>
+            <a:bodyPr rtlCol="0" anchor="ctr"/>
+            <a:lstStyle/>
+            <a:p>
+              <a:pPr algn="ctr"/>
+              <a:endParaRPr kumimoji="1" lang="ja-JP" altLang="en-US"/>
+            </a:p>
+          </p:txBody>
+        </p:sp>
+        <p:sp>
+          <p:nvSpPr>
+            <p:cNvPr id="4" name="正方形/長方形 3">
+              <a:extLst>
+                <a:ext uri="{FF2B5EF4-FFF2-40B4-BE49-F238E27FC236}">
+                  <a16:creationId xmlns:a16="http://schemas.microsoft.com/office/drawing/2014/main" id="{828C997F-8D33-4801-658E-EC30EEBA2B7C}"/>
+                </a:ext>
+              </a:extLst>
+            </p:cNvPr>
+            <p:cNvSpPr/>
+            <p:nvPr/>
+          </p:nvSpPr>
+          <p:spPr>
+            <a:xfrm>
+              <a:off x="1790700" y="1265280"/>
+              <a:ext cx="2181225" cy="973095"/>
+            </a:xfrm>
+            <a:prstGeom prst="rect">
+              <a:avLst/>
+            </a:prstGeom>
+            <a:solidFill>
+              <a:srgbClr val="00B050"/>
+            </a:solidFill>
+            <a:ln>
+              <a:noFill/>
+            </a:ln>
+          </p:spPr>
+          <p:style>
+            <a:lnRef idx="2">
+              <a:schemeClr val="accent1">
+                <a:shade val="50000"/>
+              </a:schemeClr>
+            </a:lnRef>
+            <a:fillRef idx="1">
+              <a:schemeClr val="accent1"/>
+            </a:fillRef>
+            <a:effectRef idx="0">
+              <a:schemeClr val="accent1"/>
+            </a:effectRef>
+            <a:fontRef idx="minor">
+              <a:schemeClr val="lt1"/>
+            </a:fontRef>
+          </p:style>
+          <p:txBody>
+            <a:bodyPr rtlCol="0" anchor="ctr"/>
+            <a:lstStyle/>
+            <a:p>
+              <a:pPr algn="ctr"/>
+              <a:endParaRPr kumimoji="1" lang="ja-JP" altLang="en-US"/>
+            </a:p>
+          </p:txBody>
+        </p:sp>
+        <p:sp>
+          <p:nvSpPr>
+            <p:cNvPr id="5" name="正方形/長方形 4">
+              <a:extLst>
+                <a:ext uri="{FF2B5EF4-FFF2-40B4-BE49-F238E27FC236}">
+                  <a16:creationId xmlns:a16="http://schemas.microsoft.com/office/drawing/2014/main" id="{014C6DE4-659C-B068-9FED-B5C0B9704DC0}"/>
+                </a:ext>
+              </a:extLst>
+            </p:cNvPr>
+            <p:cNvSpPr/>
+            <p:nvPr/>
+          </p:nvSpPr>
+          <p:spPr>
+            <a:xfrm>
+              <a:off x="2039946" y="1638300"/>
+              <a:ext cx="1666875" cy="600075"/>
+            </a:xfrm>
+            <a:prstGeom prst="rect">
+              <a:avLst/>
+            </a:prstGeom>
+            <a:solidFill>
+              <a:schemeClr val="tx1"/>
+            </a:solidFill>
+            <a:ln>
+              <a:noFill/>
+            </a:ln>
+          </p:spPr>
+          <p:style>
+            <a:lnRef idx="2">
+              <a:schemeClr val="accent1">
+                <a:shade val="50000"/>
+              </a:schemeClr>
+            </a:lnRef>
+            <a:fillRef idx="1">
+              <a:schemeClr val="accent1"/>
+            </a:fillRef>
+            <a:effectRef idx="0">
+              <a:schemeClr val="accent1"/>
+            </a:effectRef>
+            <a:fontRef idx="minor">
+              <a:schemeClr val="lt1"/>
+            </a:fontRef>
+          </p:style>
+          <p:txBody>
+            <a:bodyPr rtlCol="0" anchor="ctr"/>
+            <a:lstStyle/>
+            <a:p>
+              <a:pPr algn="ctr"/>
+              <a:endParaRPr kumimoji="1" lang="ja-JP" altLang="en-US"/>
+            </a:p>
+          </p:txBody>
+        </p:sp>
+        <p:sp>
+          <p:nvSpPr>
+            <p:cNvPr id="6" name="正方形/長方形 7">
+              <a:extLst>
+                <a:ext uri="{FF2B5EF4-FFF2-40B4-BE49-F238E27FC236}">
+                  <a16:creationId xmlns:a16="http://schemas.microsoft.com/office/drawing/2014/main" id="{9DB048F3-FB30-E133-9F04-907A3AAE6CF3}"/>
+                </a:ext>
+              </a:extLst>
+            </p:cNvPr>
+            <p:cNvSpPr/>
+            <p:nvPr/>
+          </p:nvSpPr>
+          <p:spPr>
+            <a:xfrm>
+              <a:off x="1573221" y="1751827"/>
+              <a:ext cx="1511283" cy="1715273"/>
+            </a:xfrm>
+            <a:custGeom>
+              <a:avLst/>
+              <a:gdLst>
+                <a:gd name="connsiteX0" fmla="*/ 0 w 958833"/>
+                <a:gd name="connsiteY0" fmla="*/ 0 h 1715273"/>
+                <a:gd name="connsiteX1" fmla="*/ 958833 w 958833"/>
+                <a:gd name="connsiteY1" fmla="*/ 0 h 1715273"/>
+                <a:gd name="connsiteX2" fmla="*/ 958833 w 958833"/>
+                <a:gd name="connsiteY2" fmla="*/ 1715273 h 1715273"/>
+                <a:gd name="connsiteX3" fmla="*/ 0 w 958833"/>
+                <a:gd name="connsiteY3" fmla="*/ 1715273 h 1715273"/>
+                <a:gd name="connsiteX4" fmla="*/ 0 w 958833"/>
+                <a:gd name="connsiteY4" fmla="*/ 0 h 1715273"/>
+                <a:gd name="connsiteX0" fmla="*/ 552450 w 1511283"/>
+                <a:gd name="connsiteY0" fmla="*/ 0 h 1715273"/>
+                <a:gd name="connsiteX1" fmla="*/ 1511283 w 1511283"/>
+                <a:gd name="connsiteY1" fmla="*/ 0 h 1715273"/>
+                <a:gd name="connsiteX2" fmla="*/ 1511283 w 1511283"/>
+                <a:gd name="connsiteY2" fmla="*/ 1715273 h 1715273"/>
+                <a:gd name="connsiteX3" fmla="*/ 0 w 1511283"/>
+                <a:gd name="connsiteY3" fmla="*/ 1715273 h 1715273"/>
+                <a:gd name="connsiteX4" fmla="*/ 552450 w 1511283"/>
+                <a:gd name="connsiteY4" fmla="*/ 0 h 1715273"/>
+                <a:gd name="connsiteX0" fmla="*/ 552450 w 1511283"/>
+                <a:gd name="connsiteY0" fmla="*/ 0 h 1715273"/>
+                <a:gd name="connsiteX1" fmla="*/ 1511283 w 1511283"/>
+                <a:gd name="connsiteY1" fmla="*/ 0 h 1715273"/>
+                <a:gd name="connsiteX2" fmla="*/ 1406508 w 1511283"/>
+                <a:gd name="connsiteY2" fmla="*/ 1715273 h 1715273"/>
+                <a:gd name="connsiteX3" fmla="*/ 0 w 1511283"/>
+                <a:gd name="connsiteY3" fmla="*/ 1715273 h 1715273"/>
+                <a:gd name="connsiteX4" fmla="*/ 552450 w 1511283"/>
+                <a:gd name="connsiteY4" fmla="*/ 0 h 1715273"/>
+              </a:gdLst>
+              <a:ahLst/>
+              <a:cxnLst>
+                <a:cxn ang="0">
+                  <a:pos x="connsiteX0" y="connsiteY0"/>
+                </a:cxn>
+                <a:cxn ang="0">
+                  <a:pos x="connsiteX1" y="connsiteY1"/>
+                </a:cxn>
+                <a:cxn ang="0">
+                  <a:pos x="connsiteX2" y="connsiteY2"/>
+                </a:cxn>
+                <a:cxn ang="0">
+                  <a:pos x="connsiteX3" y="connsiteY3"/>
+                </a:cxn>
+                <a:cxn ang="0">
+                  <a:pos x="connsiteX4" y="connsiteY4"/>
+                </a:cxn>
+              </a:cxnLst>
+              <a:rect l="l" t="t" r="r" b="b"/>
+              <a:pathLst>
+                <a:path w="1511283" h="1715273">
+                  <a:moveTo>
+                    <a:pt x="552450" y="0"/>
+                  </a:moveTo>
+                  <a:lnTo>
+                    <a:pt x="1511283" y="0"/>
+                  </a:lnTo>
+                  <a:lnTo>
+                    <a:pt x="1406508" y="1715273"/>
+                  </a:lnTo>
+                  <a:lnTo>
+                    <a:pt x="0" y="1715273"/>
+                  </a:lnTo>
+                  <a:lnTo>
+                    <a:pt x="552450" y="0"/>
+                  </a:lnTo>
+                  <a:close/>
+                </a:path>
+              </a:pathLst>
+            </a:custGeom>
+            <a:solidFill>
+              <a:srgbClr val="00B050"/>
+            </a:solidFill>
+            <a:ln>
+              <a:solidFill>
+                <a:schemeClr val="accent6">
+                  <a:lumMod val="75000"/>
+                </a:schemeClr>
+              </a:solidFill>
+            </a:ln>
+          </p:spPr>
+          <p:style>
+            <a:lnRef idx="2">
+              <a:schemeClr val="accent1">
+                <a:shade val="50000"/>
+              </a:schemeClr>
+            </a:lnRef>
+            <a:fillRef idx="1">
+              <a:schemeClr val="accent1"/>
+            </a:fillRef>
+            <a:effectRef idx="0">
+              <a:schemeClr val="accent1"/>
+            </a:effectRef>
+            <a:fontRef idx="minor">
+              <a:schemeClr val="lt1"/>
+            </a:fontRef>
+          </p:style>
+          <p:txBody>
+            <a:bodyPr rtlCol="0" anchor="ctr"/>
+            <a:lstStyle/>
+            <a:p>
+              <a:pPr algn="ctr"/>
+              <a:endParaRPr kumimoji="1" lang="ja-JP" altLang="en-US"/>
+            </a:p>
+          </p:txBody>
+        </p:sp>
+        <p:sp>
+          <p:nvSpPr>
+            <p:cNvPr id="7" name="正方形/長方形 8">
+              <a:extLst>
+                <a:ext uri="{FF2B5EF4-FFF2-40B4-BE49-F238E27FC236}">
+                  <a16:creationId xmlns:a16="http://schemas.microsoft.com/office/drawing/2014/main" id="{C4692249-E89E-0225-341D-91715A61C82C}"/>
+                </a:ext>
+              </a:extLst>
+            </p:cNvPr>
+            <p:cNvSpPr/>
+            <p:nvPr/>
+          </p:nvSpPr>
+          <p:spPr>
+            <a:xfrm>
+              <a:off x="3333750" y="1751827"/>
+              <a:ext cx="844533" cy="1715273"/>
+            </a:xfrm>
+            <a:custGeom>
+              <a:avLst/>
+              <a:gdLst>
+                <a:gd name="connsiteX0" fmla="*/ 0 w 320658"/>
+                <a:gd name="connsiteY0" fmla="*/ 0 h 1715273"/>
+                <a:gd name="connsiteX1" fmla="*/ 320658 w 320658"/>
+                <a:gd name="connsiteY1" fmla="*/ 0 h 1715273"/>
+                <a:gd name="connsiteX2" fmla="*/ 320658 w 320658"/>
+                <a:gd name="connsiteY2" fmla="*/ 1715273 h 1715273"/>
+                <a:gd name="connsiteX3" fmla="*/ 0 w 320658"/>
+                <a:gd name="connsiteY3" fmla="*/ 1715273 h 1715273"/>
+                <a:gd name="connsiteX4" fmla="*/ 0 w 320658"/>
+                <a:gd name="connsiteY4" fmla="*/ 0 h 1715273"/>
+                <a:gd name="connsiteX0" fmla="*/ 0 w 844533"/>
+                <a:gd name="connsiteY0" fmla="*/ 0 h 1715273"/>
+                <a:gd name="connsiteX1" fmla="*/ 320658 w 844533"/>
+                <a:gd name="connsiteY1" fmla="*/ 0 h 1715273"/>
+                <a:gd name="connsiteX2" fmla="*/ 844533 w 844533"/>
+                <a:gd name="connsiteY2" fmla="*/ 1715273 h 1715273"/>
+                <a:gd name="connsiteX3" fmla="*/ 0 w 844533"/>
+                <a:gd name="connsiteY3" fmla="*/ 1715273 h 1715273"/>
+                <a:gd name="connsiteX4" fmla="*/ 0 w 844533"/>
+                <a:gd name="connsiteY4" fmla="*/ 0 h 1715273"/>
+                <a:gd name="connsiteX0" fmla="*/ 0 w 844533"/>
+                <a:gd name="connsiteY0" fmla="*/ 0 h 1715273"/>
+                <a:gd name="connsiteX1" fmla="*/ 320658 w 844533"/>
+                <a:gd name="connsiteY1" fmla="*/ 0 h 1715273"/>
+                <a:gd name="connsiteX2" fmla="*/ 844533 w 844533"/>
+                <a:gd name="connsiteY2" fmla="*/ 1715273 h 1715273"/>
+                <a:gd name="connsiteX3" fmla="*/ 142875 w 844533"/>
+                <a:gd name="connsiteY3" fmla="*/ 1705748 h 1715273"/>
+                <a:gd name="connsiteX4" fmla="*/ 0 w 844533"/>
+                <a:gd name="connsiteY4" fmla="*/ 0 h 1715273"/>
+              </a:gdLst>
+              <a:ahLst/>
+              <a:cxnLst>
+                <a:cxn ang="0">
+                  <a:pos x="connsiteX0" y="connsiteY0"/>
+                </a:cxn>
+                <a:cxn ang="0">
+                  <a:pos x="connsiteX1" y="connsiteY1"/>
+                </a:cxn>
+                <a:cxn ang="0">
+                  <a:pos x="connsiteX2" y="connsiteY2"/>
+                </a:cxn>
+                <a:cxn ang="0">
+                  <a:pos x="connsiteX3" y="connsiteY3"/>
+                </a:cxn>
+                <a:cxn ang="0">
+                  <a:pos x="connsiteX4" y="connsiteY4"/>
+                </a:cxn>
+              </a:cxnLst>
+              <a:rect l="l" t="t" r="r" b="b"/>
+              <a:pathLst>
+                <a:path w="844533" h="1715273">
+                  <a:moveTo>
+                    <a:pt x="0" y="0"/>
+                  </a:moveTo>
+                  <a:lnTo>
+                    <a:pt x="320658" y="0"/>
+                  </a:lnTo>
+                  <a:lnTo>
+                    <a:pt x="844533" y="1715273"/>
+                  </a:lnTo>
+                  <a:lnTo>
+                    <a:pt x="142875" y="1705748"/>
+                  </a:lnTo>
+                  <a:lnTo>
+                    <a:pt x="0" y="0"/>
+                  </a:lnTo>
+                  <a:close/>
+                </a:path>
+              </a:pathLst>
+            </a:custGeom>
+            <a:solidFill>
+              <a:srgbClr val="00B050"/>
+            </a:solidFill>
+            <a:ln>
+              <a:solidFill>
+                <a:schemeClr val="accent6">
+                  <a:lumMod val="75000"/>
+                </a:schemeClr>
+              </a:solidFill>
+            </a:ln>
+          </p:spPr>
+          <p:style>
+            <a:lnRef idx="2">
+              <a:schemeClr val="accent1">
+                <a:shade val="50000"/>
+              </a:schemeClr>
+            </a:lnRef>
+            <a:fillRef idx="1">
+              <a:schemeClr val="accent1"/>
+            </a:fillRef>
+            <a:effectRef idx="0">
+              <a:schemeClr val="accent1"/>
+            </a:effectRef>
+            <a:fontRef idx="minor">
+              <a:schemeClr val="lt1"/>
+            </a:fontRef>
+          </p:style>
+          <p:txBody>
+            <a:bodyPr rtlCol="0" anchor="ctr"/>
+            <a:lstStyle/>
+            <a:p>
+              <a:pPr algn="ctr"/>
+              <a:endParaRPr kumimoji="1" lang="ja-JP" altLang="en-US"/>
+            </a:p>
+          </p:txBody>
+        </p:sp>
+      </p:grpSp>
     </p:spTree>
     <p:extLst>
       <p:ext uri="{BB962C8B-B14F-4D97-AF65-F5344CB8AC3E}">
